--- a/CSCE689-23/L18.pptx
+++ b/CSCE689-23/L18.pptx
@@ -134,6 +134,11 @@
       </a:defRPr>
     </a:lvl9pPr>
   </p:defaultTextStyle>
+  <p:extLst>
+    <p:ext uri="{EFAFB233-063F-42B5-8137-9DF3F51BA10A}">
+      <p15:sldGuideLst xmlns:p15="http://schemas.microsoft.com/office/powerpoint/2012/main"/>
+    </p:ext>
+  </p:extLst>
 </p:presentation>
 </file>
 
@@ -4651,8 +4656,8 @@
           <a:chExt cx="0" cy="0"/>
         </a:xfrm>
       </p:grpSpPr>
-      <mc:AlternateContent xmlns:mc="http://schemas.openxmlformats.org/markup-compatibility/2006">
-        <mc:Choice xmlns:a14="http://schemas.microsoft.com/office/drawing/2010/main" Requires="a14">
+      <mc:AlternateContent xmlns:mc="http://schemas.openxmlformats.org/markup-compatibility/2006" xmlns:a14="http://schemas.microsoft.com/office/drawing/2010/main">
+        <mc:Choice Requires="a14">
           <p:sp>
             <p:nvSpPr>
               <p:cNvPr id="2" name="Title 1">
@@ -4732,7 +4737,7 @@
             </p:txBody>
           </p:sp>
         </mc:Choice>
-        <mc:Fallback>
+        <mc:Fallback xmlns="">
           <p:sp>
             <p:nvSpPr>
               <p:cNvPr id="2" name="Title 1">
@@ -5686,8 +5691,8 @@
           <a:chExt cx="0" cy="0"/>
         </a:xfrm>
       </p:grpSpPr>
-      <mc:AlternateContent xmlns:mc="http://schemas.openxmlformats.org/markup-compatibility/2006">
-        <mc:Choice xmlns:a14="http://schemas.microsoft.com/office/drawing/2010/main" Requires="a14">
+      <mc:AlternateContent xmlns:mc="http://schemas.openxmlformats.org/markup-compatibility/2006" xmlns:a14="http://schemas.microsoft.com/office/drawing/2010/main">
+        <mc:Choice Requires="a14">
           <p:sp>
             <p:nvSpPr>
               <p:cNvPr id="2" name="Title 1">
@@ -5759,7 +5764,7 @@
             </p:txBody>
           </p:sp>
         </mc:Choice>
-        <mc:Fallback>
+        <mc:Fallback xmlns="">
           <p:sp>
             <p:nvSpPr>
               <p:cNvPr id="2" name="Title 1">
@@ -5799,8 +5804,8 @@
           </p:sp>
         </mc:Fallback>
       </mc:AlternateContent>
-      <mc:AlternateContent xmlns:mc="http://schemas.openxmlformats.org/markup-compatibility/2006">
-        <mc:Choice xmlns:a14="http://schemas.microsoft.com/office/drawing/2010/main" Requires="a14">
+      <mc:AlternateContent xmlns:mc="http://schemas.openxmlformats.org/markup-compatibility/2006" xmlns:a14="http://schemas.microsoft.com/office/drawing/2010/main">
+        <mc:Choice Requires="a14">
           <p:sp>
             <p:nvSpPr>
               <p:cNvPr id="5" name="Content Placeholder 3">
@@ -5907,7 +5912,7 @@
             </p:txBody>
           </p:sp>
         </mc:Choice>
-        <mc:Fallback>
+        <mc:Fallback xmlns="">
           <p:sp>
             <p:nvSpPr>
               <p:cNvPr id="5" name="Content Placeholder 3">
@@ -6018,8 +6023,8 @@
           </a:p>
         </p:txBody>
       </p:sp>
-      <mc:AlternateContent xmlns:mc="http://schemas.openxmlformats.org/markup-compatibility/2006">
-        <mc:Choice xmlns:a14="http://schemas.microsoft.com/office/drawing/2010/main" Requires="a14">
+      <mc:AlternateContent xmlns:mc="http://schemas.openxmlformats.org/markup-compatibility/2006" xmlns:a14="http://schemas.microsoft.com/office/drawing/2010/main">
+        <mc:Choice Requires="a14">
           <p:sp>
             <p:nvSpPr>
               <p:cNvPr id="5" name="Content Placeholder 3">
@@ -6213,7 +6218,7 @@
             </p:txBody>
           </p:sp>
         </mc:Choice>
-        <mc:Fallback>
+        <mc:Fallback xmlns="">
           <p:sp>
             <p:nvSpPr>
               <p:cNvPr id="5" name="Content Placeholder 3">
@@ -6287,8 +6292,8 @@
           <a:chExt cx="0" cy="0"/>
         </a:xfrm>
       </p:grpSpPr>
-      <mc:AlternateContent xmlns:mc="http://schemas.openxmlformats.org/markup-compatibility/2006">
-        <mc:Choice xmlns:a14="http://schemas.microsoft.com/office/drawing/2010/main" Requires="a14">
+      <mc:AlternateContent xmlns:mc="http://schemas.openxmlformats.org/markup-compatibility/2006" xmlns:a14="http://schemas.microsoft.com/office/drawing/2010/main">
+        <mc:Choice Requires="a14">
           <p:sp>
             <p:nvSpPr>
               <p:cNvPr id="2" name="Title 1">
@@ -6368,7 +6373,7 @@
             </p:txBody>
           </p:sp>
         </mc:Choice>
-        <mc:Fallback>
+        <mc:Fallback xmlns="">
           <p:sp>
             <p:nvSpPr>
               <p:cNvPr id="2" name="Title 1">
@@ -6473,8 +6478,8 @@
           <a:chExt cx="0" cy="0"/>
         </a:xfrm>
       </p:grpSpPr>
-      <mc:AlternateContent xmlns:mc="http://schemas.openxmlformats.org/markup-compatibility/2006">
-        <mc:Choice xmlns:a14="http://schemas.microsoft.com/office/drawing/2010/main" Requires="a14">
+      <mc:AlternateContent xmlns:mc="http://schemas.openxmlformats.org/markup-compatibility/2006" xmlns:a14="http://schemas.microsoft.com/office/drawing/2010/main">
+        <mc:Choice Requires="a14">
           <p:sp>
             <p:nvSpPr>
               <p:cNvPr id="2" name="Title 1">
@@ -6554,7 +6559,7 @@
             </p:txBody>
           </p:sp>
         </mc:Choice>
-        <mc:Fallback>
+        <mc:Fallback xmlns="">
           <p:sp>
             <p:nvSpPr>
               <p:cNvPr id="2" name="Title 1">
@@ -6594,8 +6599,8 @@
           </p:sp>
         </mc:Fallback>
       </mc:AlternateContent>
-      <mc:AlternateContent xmlns:mc="http://schemas.openxmlformats.org/markup-compatibility/2006">
-        <mc:Choice xmlns:a14="http://schemas.microsoft.com/office/drawing/2010/main" Requires="a14">
+      <mc:AlternateContent xmlns:mc="http://schemas.openxmlformats.org/markup-compatibility/2006" xmlns:a14="http://schemas.microsoft.com/office/drawing/2010/main">
+        <mc:Choice Requires="a14">
           <p:sp>
             <p:nvSpPr>
               <p:cNvPr id="5" name="Content Placeholder 3">
@@ -6834,7 +6839,7 @@
                     <m:d>
                       <m:dPr>
                         <m:ctrlPr>
-                          <a:rPr lang="en-US" sz="2800" b="0" i="0" smtClean="0">
+                          <a:rPr lang="en-US" sz="2800" b="0" i="1" smtClean="0">
                             <a:solidFill>
                               <a:srgbClr val="C00000"/>
                             </a:solidFill>
@@ -7008,7 +7013,7 @@
             </p:txBody>
           </p:sp>
         </mc:Choice>
-        <mc:Fallback>
+        <mc:Fallback xmlns="">
           <p:sp>
             <p:nvSpPr>
               <p:cNvPr id="5" name="Content Placeholder 3">
@@ -7178,8 +7183,8 @@
           </a:fontRef>
         </p:style>
       </p:cxnSp>
-      <mc:AlternateContent xmlns:mc="http://schemas.openxmlformats.org/markup-compatibility/2006">
-        <mc:Choice xmlns:a14="http://schemas.microsoft.com/office/drawing/2010/main" Requires="a14">
+      <mc:AlternateContent xmlns:mc="http://schemas.openxmlformats.org/markup-compatibility/2006" xmlns:a14="http://schemas.microsoft.com/office/drawing/2010/main">
+        <mc:Choice Requires="a14">
           <p:sp>
             <p:nvSpPr>
               <p:cNvPr id="13" name="TextBox 12">
@@ -7232,7 +7237,7 @@
             </p:txBody>
           </p:sp>
         </mc:Choice>
-        <mc:Fallback>
+        <mc:Fallback xmlns="">
           <p:sp>
             <p:nvSpPr>
               <p:cNvPr id="13" name="TextBox 12">
@@ -7277,8 +7282,8 @@
           </p:sp>
         </mc:Fallback>
       </mc:AlternateContent>
-      <mc:AlternateContent xmlns:mc="http://schemas.openxmlformats.org/markup-compatibility/2006">
-        <mc:Choice xmlns:a14="http://schemas.microsoft.com/office/drawing/2010/main" Requires="a14">
+      <mc:AlternateContent xmlns:mc="http://schemas.openxmlformats.org/markup-compatibility/2006" xmlns:a14="http://schemas.microsoft.com/office/drawing/2010/main">
+        <mc:Choice Requires="a14">
           <p:sp>
             <p:nvSpPr>
               <p:cNvPr id="14" name="TextBox 13">
@@ -7331,7 +7336,7 @@
             </p:txBody>
           </p:sp>
         </mc:Choice>
-        <mc:Fallback>
+        <mc:Fallback xmlns="">
           <p:sp>
             <p:nvSpPr>
               <p:cNvPr id="14" name="TextBox 13">
@@ -7376,8 +7381,8 @@
           </p:sp>
         </mc:Fallback>
       </mc:AlternateContent>
-      <mc:AlternateContent xmlns:mc="http://schemas.openxmlformats.org/markup-compatibility/2006">
-        <mc:Choice xmlns:a14="http://schemas.microsoft.com/office/drawing/2010/main" Requires="a14">
+      <mc:AlternateContent xmlns:mc="http://schemas.openxmlformats.org/markup-compatibility/2006" xmlns:a14="http://schemas.microsoft.com/office/drawing/2010/main">
+        <mc:Choice Requires="a14">
           <p:sp>
             <p:nvSpPr>
               <p:cNvPr id="16" name="TextBox 15">
@@ -7430,7 +7435,7 @@
             </p:txBody>
           </p:sp>
         </mc:Choice>
-        <mc:Fallback>
+        <mc:Fallback xmlns="">
           <p:sp>
             <p:nvSpPr>
               <p:cNvPr id="16" name="TextBox 15">
@@ -7505,8 +7510,8 @@
           <a:chExt cx="0" cy="0"/>
         </a:xfrm>
       </p:grpSpPr>
-      <mc:AlternateContent xmlns:mc="http://schemas.openxmlformats.org/markup-compatibility/2006">
-        <mc:Choice xmlns:a14="http://schemas.microsoft.com/office/drawing/2010/main" Requires="a14">
+      <mc:AlternateContent xmlns:mc="http://schemas.openxmlformats.org/markup-compatibility/2006" xmlns:a14="http://schemas.microsoft.com/office/drawing/2010/main">
+        <mc:Choice Requires="a14">
           <p:sp>
             <p:nvSpPr>
               <p:cNvPr id="2" name="Title 1">
@@ -7586,7 +7591,7 @@
             </p:txBody>
           </p:sp>
         </mc:Choice>
-        <mc:Fallback>
+        <mc:Fallback xmlns="">
           <p:sp>
             <p:nvSpPr>
               <p:cNvPr id="2" name="Title 1">
@@ -7626,8 +7631,8 @@
           </p:sp>
         </mc:Fallback>
       </mc:AlternateContent>
-      <mc:AlternateContent xmlns:mc="http://schemas.openxmlformats.org/markup-compatibility/2006">
-        <mc:Choice xmlns:a14="http://schemas.microsoft.com/office/drawing/2010/main" Requires="a14">
+      <mc:AlternateContent xmlns:mc="http://schemas.openxmlformats.org/markup-compatibility/2006" xmlns:a14="http://schemas.microsoft.com/office/drawing/2010/main">
+        <mc:Choice Requires="a14">
           <p:sp>
             <p:nvSpPr>
               <p:cNvPr id="5" name="Content Placeholder 3">
@@ -8040,7 +8045,7 @@
             </p:txBody>
           </p:sp>
         </mc:Choice>
-        <mc:Fallback>
+        <mc:Fallback xmlns="">
           <p:sp>
             <p:nvSpPr>
               <p:cNvPr id="5" name="Content Placeholder 3">
@@ -8210,8 +8215,8 @@
           </a:fontRef>
         </p:style>
       </p:cxnSp>
-      <mc:AlternateContent xmlns:mc="http://schemas.openxmlformats.org/markup-compatibility/2006">
-        <mc:Choice xmlns:a14="http://schemas.microsoft.com/office/drawing/2010/main" Requires="a14">
+      <mc:AlternateContent xmlns:mc="http://schemas.openxmlformats.org/markup-compatibility/2006" xmlns:a14="http://schemas.microsoft.com/office/drawing/2010/main">
+        <mc:Choice Requires="a14">
           <p:sp>
             <p:nvSpPr>
               <p:cNvPr id="13" name="TextBox 12">
@@ -8264,7 +8269,7 @@
             </p:txBody>
           </p:sp>
         </mc:Choice>
-        <mc:Fallback>
+        <mc:Fallback xmlns="">
           <p:sp>
             <p:nvSpPr>
               <p:cNvPr id="13" name="TextBox 12">
@@ -8309,8 +8314,8 @@
           </p:sp>
         </mc:Fallback>
       </mc:AlternateContent>
-      <mc:AlternateContent xmlns:mc="http://schemas.openxmlformats.org/markup-compatibility/2006">
-        <mc:Choice xmlns:a14="http://schemas.microsoft.com/office/drawing/2010/main" Requires="a14">
+      <mc:AlternateContent xmlns:mc="http://schemas.openxmlformats.org/markup-compatibility/2006" xmlns:a14="http://schemas.microsoft.com/office/drawing/2010/main">
+        <mc:Choice Requires="a14">
           <p:sp>
             <p:nvSpPr>
               <p:cNvPr id="14" name="TextBox 13">
@@ -8363,7 +8368,7 @@
             </p:txBody>
           </p:sp>
         </mc:Choice>
-        <mc:Fallback>
+        <mc:Fallback xmlns="">
           <p:sp>
             <p:nvSpPr>
               <p:cNvPr id="14" name="TextBox 13">
@@ -8408,8 +8413,8 @@
           </p:sp>
         </mc:Fallback>
       </mc:AlternateContent>
-      <mc:AlternateContent xmlns:mc="http://schemas.openxmlformats.org/markup-compatibility/2006">
-        <mc:Choice xmlns:a14="http://schemas.microsoft.com/office/drawing/2010/main" Requires="a14">
+      <mc:AlternateContent xmlns:mc="http://schemas.openxmlformats.org/markup-compatibility/2006" xmlns:a14="http://schemas.microsoft.com/office/drawing/2010/main">
+        <mc:Choice Requires="a14">
           <p:sp>
             <p:nvSpPr>
               <p:cNvPr id="16" name="TextBox 15">
@@ -8462,7 +8467,7 @@
             </p:txBody>
           </p:sp>
         </mc:Choice>
-        <mc:Fallback>
+        <mc:Fallback xmlns="">
           <p:sp>
             <p:nvSpPr>
               <p:cNvPr id="16" name="TextBox 15">
@@ -8558,8 +8563,8 @@
           </a:p>
         </p:txBody>
       </p:sp>
-      <mc:AlternateContent xmlns:mc="http://schemas.openxmlformats.org/markup-compatibility/2006">
-        <mc:Choice xmlns:a14="http://schemas.microsoft.com/office/drawing/2010/main" Requires="a14">
+      <mc:AlternateContent xmlns:mc="http://schemas.openxmlformats.org/markup-compatibility/2006" xmlns:a14="http://schemas.microsoft.com/office/drawing/2010/main">
+        <mc:Choice Requires="a14">
           <p:sp>
             <p:nvSpPr>
               <p:cNvPr id="6" name="TextBox 5">
@@ -8660,7 +8665,7 @@
             </p:txBody>
           </p:sp>
         </mc:Choice>
-        <mc:Fallback>
+        <mc:Fallback xmlns="">
           <p:sp>
             <p:nvSpPr>
               <p:cNvPr id="6" name="TextBox 5">
@@ -8735,8 +8740,8 @@
           <a:chExt cx="0" cy="0"/>
         </a:xfrm>
       </p:grpSpPr>
-      <mc:AlternateContent xmlns:mc="http://schemas.openxmlformats.org/markup-compatibility/2006">
-        <mc:Choice xmlns:a14="http://schemas.microsoft.com/office/drawing/2010/main" Requires="a14">
+      <mc:AlternateContent xmlns:mc="http://schemas.openxmlformats.org/markup-compatibility/2006" xmlns:a14="http://schemas.microsoft.com/office/drawing/2010/main">
+        <mc:Choice Requires="a14">
           <p:sp>
             <p:nvSpPr>
               <p:cNvPr id="2" name="Title 1">
@@ -8816,7 +8821,7 @@
             </p:txBody>
           </p:sp>
         </mc:Choice>
-        <mc:Fallback>
+        <mc:Fallback xmlns="">
           <p:sp>
             <p:nvSpPr>
               <p:cNvPr id="2" name="Title 1">
@@ -8856,8 +8861,8 @@
           </p:sp>
         </mc:Fallback>
       </mc:AlternateContent>
-      <mc:AlternateContent xmlns:mc="http://schemas.openxmlformats.org/markup-compatibility/2006">
-        <mc:Choice xmlns:a14="http://schemas.microsoft.com/office/drawing/2010/main" Requires="a14">
+      <mc:AlternateContent xmlns:mc="http://schemas.openxmlformats.org/markup-compatibility/2006" xmlns:a14="http://schemas.microsoft.com/office/drawing/2010/main">
+        <mc:Choice Requires="a14">
           <p:sp>
             <p:nvSpPr>
               <p:cNvPr id="5" name="Content Placeholder 3">
@@ -9270,7 +9275,7 @@
             </p:txBody>
           </p:sp>
         </mc:Choice>
-        <mc:Fallback>
+        <mc:Fallback xmlns="">
           <p:sp>
             <p:nvSpPr>
               <p:cNvPr id="5" name="Content Placeholder 3">
@@ -9440,8 +9445,8 @@
           </a:fontRef>
         </p:style>
       </p:cxnSp>
-      <mc:AlternateContent xmlns:mc="http://schemas.openxmlformats.org/markup-compatibility/2006">
-        <mc:Choice xmlns:a14="http://schemas.microsoft.com/office/drawing/2010/main" Requires="a14">
+      <mc:AlternateContent xmlns:mc="http://schemas.openxmlformats.org/markup-compatibility/2006" xmlns:a14="http://schemas.microsoft.com/office/drawing/2010/main">
+        <mc:Choice Requires="a14">
           <p:sp>
             <p:nvSpPr>
               <p:cNvPr id="13" name="TextBox 12">
@@ -9494,7 +9499,7 @@
             </p:txBody>
           </p:sp>
         </mc:Choice>
-        <mc:Fallback>
+        <mc:Fallback xmlns="">
           <p:sp>
             <p:nvSpPr>
               <p:cNvPr id="13" name="TextBox 12">
@@ -9539,8 +9544,8 @@
           </p:sp>
         </mc:Fallback>
       </mc:AlternateContent>
-      <mc:AlternateContent xmlns:mc="http://schemas.openxmlformats.org/markup-compatibility/2006">
-        <mc:Choice xmlns:a14="http://schemas.microsoft.com/office/drawing/2010/main" Requires="a14">
+      <mc:AlternateContent xmlns:mc="http://schemas.openxmlformats.org/markup-compatibility/2006" xmlns:a14="http://schemas.microsoft.com/office/drawing/2010/main">
+        <mc:Choice Requires="a14">
           <p:sp>
             <p:nvSpPr>
               <p:cNvPr id="14" name="TextBox 13">
@@ -9593,7 +9598,7 @@
             </p:txBody>
           </p:sp>
         </mc:Choice>
-        <mc:Fallback>
+        <mc:Fallback xmlns="">
           <p:sp>
             <p:nvSpPr>
               <p:cNvPr id="14" name="TextBox 13">
@@ -9638,8 +9643,8 @@
           </p:sp>
         </mc:Fallback>
       </mc:AlternateContent>
-      <mc:AlternateContent xmlns:mc="http://schemas.openxmlformats.org/markup-compatibility/2006">
-        <mc:Choice xmlns:a14="http://schemas.microsoft.com/office/drawing/2010/main" Requires="a14">
+      <mc:AlternateContent xmlns:mc="http://schemas.openxmlformats.org/markup-compatibility/2006" xmlns:a14="http://schemas.microsoft.com/office/drawing/2010/main">
+        <mc:Choice Requires="a14">
           <p:sp>
             <p:nvSpPr>
               <p:cNvPr id="16" name="TextBox 15">
@@ -9692,7 +9697,7 @@
             </p:txBody>
           </p:sp>
         </mc:Choice>
-        <mc:Fallback>
+        <mc:Fallback xmlns="">
           <p:sp>
             <p:nvSpPr>
               <p:cNvPr id="16" name="TextBox 15">
@@ -9788,8 +9793,8 @@
           </a:p>
         </p:txBody>
       </p:sp>
-      <mc:AlternateContent xmlns:mc="http://schemas.openxmlformats.org/markup-compatibility/2006">
-        <mc:Choice xmlns:a14="http://schemas.microsoft.com/office/drawing/2010/main" Requires="a14">
+      <mc:AlternateContent xmlns:mc="http://schemas.openxmlformats.org/markup-compatibility/2006" xmlns:a14="http://schemas.microsoft.com/office/drawing/2010/main">
+        <mc:Choice Requires="a14">
           <p:sp>
             <p:nvSpPr>
               <p:cNvPr id="6" name="TextBox 5">
@@ -9890,7 +9895,7 @@
             </p:txBody>
           </p:sp>
         </mc:Choice>
-        <mc:Fallback>
+        <mc:Fallback xmlns="">
           <p:sp>
             <p:nvSpPr>
               <p:cNvPr id="6" name="TextBox 5">
@@ -10041,7 +10046,7 @@
                   <a:srgbClr val="00B050"/>
                 </a:solidFill>
               </a:rPr>
-              <a:t>November 29</a:t>
+              <a:t>November 27</a:t>
             </a:r>
             <a:r>
               <a:rPr lang="en-US" dirty="0"/>
@@ -10053,7 +10058,31 @@
             </a:r>
             <a:r>
               <a:rPr lang="en-US" dirty="0"/>
-              <a:t>, Jung, STMI</a:t>
+              <a:t>, Jung</a:t>
+            </a:r>
+            <a:r>
+              <a:rPr lang="en-US"/>
+              <a:t>, Galaxy AI</a:t>
+            </a:r>
+            <a:endParaRPr lang="en-US" dirty="0"/>
+          </a:p>
+          <a:p>
+            <a:pPr>
+              <a:buClr>
+                <a:schemeClr val="tx1"/>
+              </a:buClr>
+            </a:pPr>
+            <a:r>
+              <a:rPr lang="en-US" dirty="0">
+                <a:solidFill>
+                  <a:srgbClr val="00B050"/>
+                </a:solidFill>
+              </a:rPr>
+              <a:t>November 29</a:t>
+            </a:r>
+            <a:r>
+              <a:rPr lang="en-US" dirty="0"/>
+              <a:t>: STMI, Anmol, Jason</a:t>
             </a:r>
           </a:p>
           <a:p>
@@ -10069,25 +10098,6 @@
                 </a:solidFill>
               </a:rPr>
               <a:t>December 1</a:t>
-            </a:r>
-            <a:r>
-              <a:rPr lang="en-US" dirty="0"/>
-              <a:t>: Galaxy AI, Anmol, Jason</a:t>
-            </a:r>
-          </a:p>
-          <a:p>
-            <a:pPr>
-              <a:buClr>
-                <a:schemeClr val="tx1"/>
-              </a:buClr>
-            </a:pPr>
-            <a:r>
-              <a:rPr lang="en-US" dirty="0">
-                <a:solidFill>
-                  <a:srgbClr val="00B050"/>
-                </a:solidFill>
-              </a:rPr>
-              <a:t>December 4</a:t>
             </a:r>
             <a:r>
               <a:rPr lang="en-US" dirty="0"/>
@@ -10134,8 +10144,8 @@
           <a:chExt cx="0" cy="0"/>
         </a:xfrm>
       </p:grpSpPr>
-      <mc:AlternateContent xmlns:mc="http://schemas.openxmlformats.org/markup-compatibility/2006">
-        <mc:Choice xmlns:a14="http://schemas.microsoft.com/office/drawing/2010/main" Requires="a14">
+      <mc:AlternateContent xmlns:mc="http://schemas.openxmlformats.org/markup-compatibility/2006" xmlns:a14="http://schemas.microsoft.com/office/drawing/2010/main">
+        <mc:Choice Requires="a14">
           <p:sp>
             <p:nvSpPr>
               <p:cNvPr id="2" name="Title 1">
@@ -10215,7 +10225,7 @@
             </p:txBody>
           </p:sp>
         </mc:Choice>
-        <mc:Fallback>
+        <mc:Fallback xmlns="">
           <p:sp>
             <p:nvSpPr>
               <p:cNvPr id="2" name="Title 1">
@@ -10255,8 +10265,8 @@
           </p:sp>
         </mc:Fallback>
       </mc:AlternateContent>
-      <mc:AlternateContent xmlns:mc="http://schemas.openxmlformats.org/markup-compatibility/2006">
-        <mc:Choice xmlns:a14="http://schemas.microsoft.com/office/drawing/2010/main" Requires="a14">
+      <mc:AlternateContent xmlns:mc="http://schemas.openxmlformats.org/markup-compatibility/2006" xmlns:a14="http://schemas.microsoft.com/office/drawing/2010/main">
+        <mc:Choice Requires="a14">
           <p:sp>
             <p:nvSpPr>
               <p:cNvPr id="5" name="Content Placeholder 3">
@@ -10669,7 +10679,7 @@
             </p:txBody>
           </p:sp>
         </mc:Choice>
-        <mc:Fallback>
+        <mc:Fallback xmlns="">
           <p:sp>
             <p:nvSpPr>
               <p:cNvPr id="5" name="Content Placeholder 3">
@@ -10839,8 +10849,8 @@
           </a:fontRef>
         </p:style>
       </p:cxnSp>
-      <mc:AlternateContent xmlns:mc="http://schemas.openxmlformats.org/markup-compatibility/2006">
-        <mc:Choice xmlns:a14="http://schemas.microsoft.com/office/drawing/2010/main" Requires="a14">
+      <mc:AlternateContent xmlns:mc="http://schemas.openxmlformats.org/markup-compatibility/2006" xmlns:a14="http://schemas.microsoft.com/office/drawing/2010/main">
+        <mc:Choice Requires="a14">
           <p:sp>
             <p:nvSpPr>
               <p:cNvPr id="13" name="TextBox 12">
@@ -10893,7 +10903,7 @@
             </p:txBody>
           </p:sp>
         </mc:Choice>
-        <mc:Fallback>
+        <mc:Fallback xmlns="">
           <p:sp>
             <p:nvSpPr>
               <p:cNvPr id="13" name="TextBox 12">
@@ -10938,8 +10948,8 @@
           </p:sp>
         </mc:Fallback>
       </mc:AlternateContent>
-      <mc:AlternateContent xmlns:mc="http://schemas.openxmlformats.org/markup-compatibility/2006">
-        <mc:Choice xmlns:a14="http://schemas.microsoft.com/office/drawing/2010/main" Requires="a14">
+      <mc:AlternateContent xmlns:mc="http://schemas.openxmlformats.org/markup-compatibility/2006" xmlns:a14="http://schemas.microsoft.com/office/drawing/2010/main">
+        <mc:Choice Requires="a14">
           <p:sp>
             <p:nvSpPr>
               <p:cNvPr id="14" name="TextBox 13">
@@ -10992,7 +11002,7 @@
             </p:txBody>
           </p:sp>
         </mc:Choice>
-        <mc:Fallback>
+        <mc:Fallback xmlns="">
           <p:sp>
             <p:nvSpPr>
               <p:cNvPr id="14" name="TextBox 13">
@@ -11037,8 +11047,8 @@
           </p:sp>
         </mc:Fallback>
       </mc:AlternateContent>
-      <mc:AlternateContent xmlns:mc="http://schemas.openxmlformats.org/markup-compatibility/2006">
-        <mc:Choice xmlns:a14="http://schemas.microsoft.com/office/drawing/2010/main" Requires="a14">
+      <mc:AlternateContent xmlns:mc="http://schemas.openxmlformats.org/markup-compatibility/2006" xmlns:a14="http://schemas.microsoft.com/office/drawing/2010/main">
+        <mc:Choice Requires="a14">
           <p:sp>
             <p:nvSpPr>
               <p:cNvPr id="16" name="TextBox 15">
@@ -11091,7 +11101,7 @@
             </p:txBody>
           </p:sp>
         </mc:Choice>
-        <mc:Fallback>
+        <mc:Fallback xmlns="">
           <p:sp>
             <p:nvSpPr>
               <p:cNvPr id="16" name="TextBox 15">
@@ -11187,8 +11197,8 @@
           </a:p>
         </p:txBody>
       </p:sp>
-      <mc:AlternateContent xmlns:mc="http://schemas.openxmlformats.org/markup-compatibility/2006">
-        <mc:Choice xmlns:a14="http://schemas.microsoft.com/office/drawing/2010/main" Requires="a14">
+      <mc:AlternateContent xmlns:mc="http://schemas.openxmlformats.org/markup-compatibility/2006" xmlns:a14="http://schemas.microsoft.com/office/drawing/2010/main">
+        <mc:Choice Requires="a14">
           <p:sp>
             <p:nvSpPr>
               <p:cNvPr id="6" name="TextBox 5">
@@ -11289,7 +11299,7 @@
             </p:txBody>
           </p:sp>
         </mc:Choice>
-        <mc:Fallback>
+        <mc:Fallback xmlns="">
           <p:sp>
             <p:nvSpPr>
               <p:cNvPr id="6" name="TextBox 5">
@@ -11388,8 +11398,8 @@
           </a:p>
         </p:txBody>
       </p:sp>
-      <mc:AlternateContent xmlns:mc="http://schemas.openxmlformats.org/markup-compatibility/2006">
-        <mc:Choice xmlns:a14="http://schemas.microsoft.com/office/drawing/2010/main" Requires="a14">
+      <mc:AlternateContent xmlns:mc="http://schemas.openxmlformats.org/markup-compatibility/2006" xmlns:a14="http://schemas.microsoft.com/office/drawing/2010/main">
+        <mc:Choice Requires="a14">
           <p:sp>
             <p:nvSpPr>
               <p:cNvPr id="8" name="TextBox 7">
@@ -11490,7 +11500,7 @@
             </p:txBody>
           </p:sp>
         </mc:Choice>
-        <mc:Fallback>
+        <mc:Fallback xmlns="">
           <p:sp>
             <p:nvSpPr>
               <p:cNvPr id="8" name="TextBox 7">
@@ -11565,8 +11575,8 @@
           <a:chExt cx="0" cy="0"/>
         </a:xfrm>
       </p:grpSpPr>
-      <mc:AlternateContent xmlns:mc="http://schemas.openxmlformats.org/markup-compatibility/2006">
-        <mc:Choice xmlns:a14="http://schemas.microsoft.com/office/drawing/2010/main" Requires="a14">
+      <mc:AlternateContent xmlns:mc="http://schemas.openxmlformats.org/markup-compatibility/2006" xmlns:a14="http://schemas.microsoft.com/office/drawing/2010/main">
+        <mc:Choice Requires="a14">
           <p:sp>
             <p:nvSpPr>
               <p:cNvPr id="2" name="Title 1">
@@ -11646,7 +11656,7 @@
             </p:txBody>
           </p:sp>
         </mc:Choice>
-        <mc:Fallback>
+        <mc:Fallback xmlns="">
           <p:sp>
             <p:nvSpPr>
               <p:cNvPr id="2" name="Title 1">
@@ -11686,8 +11696,8 @@
           </p:sp>
         </mc:Fallback>
       </mc:AlternateContent>
-      <mc:AlternateContent xmlns:mc="http://schemas.openxmlformats.org/markup-compatibility/2006">
-        <mc:Choice xmlns:a14="http://schemas.microsoft.com/office/drawing/2010/main" Requires="a14">
+      <mc:AlternateContent xmlns:mc="http://schemas.openxmlformats.org/markup-compatibility/2006" xmlns:a14="http://schemas.microsoft.com/office/drawing/2010/main">
+        <mc:Choice Requires="a14">
           <p:sp>
             <p:nvSpPr>
               <p:cNvPr id="5" name="Content Placeholder 3">
@@ -12100,7 +12110,7 @@
             </p:txBody>
           </p:sp>
         </mc:Choice>
-        <mc:Fallback>
+        <mc:Fallback xmlns="">
           <p:sp>
             <p:nvSpPr>
               <p:cNvPr id="5" name="Content Placeholder 3">
@@ -12270,8 +12280,8 @@
           </a:fontRef>
         </p:style>
       </p:cxnSp>
-      <mc:AlternateContent xmlns:mc="http://schemas.openxmlformats.org/markup-compatibility/2006">
-        <mc:Choice xmlns:a14="http://schemas.microsoft.com/office/drawing/2010/main" Requires="a14">
+      <mc:AlternateContent xmlns:mc="http://schemas.openxmlformats.org/markup-compatibility/2006" xmlns:a14="http://schemas.microsoft.com/office/drawing/2010/main">
+        <mc:Choice Requires="a14">
           <p:sp>
             <p:nvSpPr>
               <p:cNvPr id="13" name="TextBox 12">
@@ -12324,7 +12334,7 @@
             </p:txBody>
           </p:sp>
         </mc:Choice>
-        <mc:Fallback>
+        <mc:Fallback xmlns="">
           <p:sp>
             <p:nvSpPr>
               <p:cNvPr id="13" name="TextBox 12">
@@ -12369,8 +12379,8 @@
           </p:sp>
         </mc:Fallback>
       </mc:AlternateContent>
-      <mc:AlternateContent xmlns:mc="http://schemas.openxmlformats.org/markup-compatibility/2006">
-        <mc:Choice xmlns:a14="http://schemas.microsoft.com/office/drawing/2010/main" Requires="a14">
+      <mc:AlternateContent xmlns:mc="http://schemas.openxmlformats.org/markup-compatibility/2006" xmlns:a14="http://schemas.microsoft.com/office/drawing/2010/main">
+        <mc:Choice Requires="a14">
           <p:sp>
             <p:nvSpPr>
               <p:cNvPr id="14" name="TextBox 13">
@@ -12423,7 +12433,7 @@
             </p:txBody>
           </p:sp>
         </mc:Choice>
-        <mc:Fallback>
+        <mc:Fallback xmlns="">
           <p:sp>
             <p:nvSpPr>
               <p:cNvPr id="14" name="TextBox 13">
@@ -12468,8 +12478,8 @@
           </p:sp>
         </mc:Fallback>
       </mc:AlternateContent>
-      <mc:AlternateContent xmlns:mc="http://schemas.openxmlformats.org/markup-compatibility/2006">
-        <mc:Choice xmlns:a14="http://schemas.microsoft.com/office/drawing/2010/main" Requires="a14">
+      <mc:AlternateContent xmlns:mc="http://schemas.openxmlformats.org/markup-compatibility/2006" xmlns:a14="http://schemas.microsoft.com/office/drawing/2010/main">
+        <mc:Choice Requires="a14">
           <p:sp>
             <p:nvSpPr>
               <p:cNvPr id="16" name="TextBox 15">
@@ -12522,7 +12532,7 @@
             </p:txBody>
           </p:sp>
         </mc:Choice>
-        <mc:Fallback>
+        <mc:Fallback xmlns="">
           <p:sp>
             <p:nvSpPr>
               <p:cNvPr id="16" name="TextBox 15">
@@ -12618,8 +12628,8 @@
           </a:p>
         </p:txBody>
       </p:sp>
-      <mc:AlternateContent xmlns:mc="http://schemas.openxmlformats.org/markup-compatibility/2006">
-        <mc:Choice xmlns:a14="http://schemas.microsoft.com/office/drawing/2010/main" Requires="a14">
+      <mc:AlternateContent xmlns:mc="http://schemas.openxmlformats.org/markup-compatibility/2006" xmlns:a14="http://schemas.microsoft.com/office/drawing/2010/main">
+        <mc:Choice Requires="a14">
           <p:sp>
             <p:nvSpPr>
               <p:cNvPr id="6" name="TextBox 5">
@@ -12720,7 +12730,7 @@
             </p:txBody>
           </p:sp>
         </mc:Choice>
-        <mc:Fallback>
+        <mc:Fallback xmlns="">
           <p:sp>
             <p:nvSpPr>
               <p:cNvPr id="6" name="TextBox 5">
@@ -12819,8 +12829,8 @@
           </a:p>
         </p:txBody>
       </p:sp>
-      <mc:AlternateContent xmlns:mc="http://schemas.openxmlformats.org/markup-compatibility/2006">
-        <mc:Choice xmlns:a14="http://schemas.microsoft.com/office/drawing/2010/main" Requires="a14">
+      <mc:AlternateContent xmlns:mc="http://schemas.openxmlformats.org/markup-compatibility/2006" xmlns:a14="http://schemas.microsoft.com/office/drawing/2010/main">
+        <mc:Choice Requires="a14">
           <p:sp>
             <p:nvSpPr>
               <p:cNvPr id="8" name="TextBox 7">
@@ -12921,7 +12931,7 @@
             </p:txBody>
           </p:sp>
         </mc:Choice>
-        <mc:Fallback>
+        <mc:Fallback xmlns="">
           <p:sp>
             <p:nvSpPr>
               <p:cNvPr id="8" name="TextBox 7">
@@ -12996,8 +13006,8 @@
           <a:chExt cx="0" cy="0"/>
         </a:xfrm>
       </p:grpSpPr>
-      <mc:AlternateContent xmlns:mc="http://schemas.openxmlformats.org/markup-compatibility/2006">
-        <mc:Choice xmlns:a14="http://schemas.microsoft.com/office/drawing/2010/main" Requires="a14">
+      <mc:AlternateContent xmlns:mc="http://schemas.openxmlformats.org/markup-compatibility/2006" xmlns:a14="http://schemas.microsoft.com/office/drawing/2010/main">
+        <mc:Choice Requires="a14">
           <p:sp>
             <p:nvSpPr>
               <p:cNvPr id="2" name="Title 1">
@@ -13077,7 +13087,7 @@
             </p:txBody>
           </p:sp>
         </mc:Choice>
-        <mc:Fallback>
+        <mc:Fallback xmlns="">
           <p:sp>
             <p:nvSpPr>
               <p:cNvPr id="2" name="Title 1">
@@ -13117,8 +13127,8 @@
           </p:sp>
         </mc:Fallback>
       </mc:AlternateContent>
-      <mc:AlternateContent xmlns:mc="http://schemas.openxmlformats.org/markup-compatibility/2006">
-        <mc:Choice xmlns:a14="http://schemas.microsoft.com/office/drawing/2010/main" Requires="a14">
+      <mc:AlternateContent xmlns:mc="http://schemas.openxmlformats.org/markup-compatibility/2006" xmlns:a14="http://schemas.microsoft.com/office/drawing/2010/main">
+        <mc:Choice Requires="a14">
           <p:sp>
             <p:nvSpPr>
               <p:cNvPr id="5" name="Content Placeholder 3">
@@ -13531,7 +13541,7 @@
             </p:txBody>
           </p:sp>
         </mc:Choice>
-        <mc:Fallback>
+        <mc:Fallback xmlns="">
           <p:sp>
             <p:nvSpPr>
               <p:cNvPr id="5" name="Content Placeholder 3">
@@ -13701,8 +13711,8 @@
           </a:fontRef>
         </p:style>
       </p:cxnSp>
-      <mc:AlternateContent xmlns:mc="http://schemas.openxmlformats.org/markup-compatibility/2006">
-        <mc:Choice xmlns:a14="http://schemas.microsoft.com/office/drawing/2010/main" Requires="a14">
+      <mc:AlternateContent xmlns:mc="http://schemas.openxmlformats.org/markup-compatibility/2006" xmlns:a14="http://schemas.microsoft.com/office/drawing/2010/main">
+        <mc:Choice Requires="a14">
           <p:sp>
             <p:nvSpPr>
               <p:cNvPr id="13" name="TextBox 12">
@@ -13755,7 +13765,7 @@
             </p:txBody>
           </p:sp>
         </mc:Choice>
-        <mc:Fallback>
+        <mc:Fallback xmlns="">
           <p:sp>
             <p:nvSpPr>
               <p:cNvPr id="13" name="TextBox 12">
@@ -13800,8 +13810,8 @@
           </p:sp>
         </mc:Fallback>
       </mc:AlternateContent>
-      <mc:AlternateContent xmlns:mc="http://schemas.openxmlformats.org/markup-compatibility/2006">
-        <mc:Choice xmlns:a14="http://schemas.microsoft.com/office/drawing/2010/main" Requires="a14">
+      <mc:AlternateContent xmlns:mc="http://schemas.openxmlformats.org/markup-compatibility/2006" xmlns:a14="http://schemas.microsoft.com/office/drawing/2010/main">
+        <mc:Choice Requires="a14">
           <p:sp>
             <p:nvSpPr>
               <p:cNvPr id="14" name="TextBox 13">
@@ -13854,7 +13864,7 @@
             </p:txBody>
           </p:sp>
         </mc:Choice>
-        <mc:Fallback>
+        <mc:Fallback xmlns="">
           <p:sp>
             <p:nvSpPr>
               <p:cNvPr id="14" name="TextBox 13">
@@ -13899,8 +13909,8 @@
           </p:sp>
         </mc:Fallback>
       </mc:AlternateContent>
-      <mc:AlternateContent xmlns:mc="http://schemas.openxmlformats.org/markup-compatibility/2006">
-        <mc:Choice xmlns:a14="http://schemas.microsoft.com/office/drawing/2010/main" Requires="a14">
+      <mc:AlternateContent xmlns:mc="http://schemas.openxmlformats.org/markup-compatibility/2006" xmlns:a14="http://schemas.microsoft.com/office/drawing/2010/main">
+        <mc:Choice Requires="a14">
           <p:sp>
             <p:nvSpPr>
               <p:cNvPr id="16" name="TextBox 15">
@@ -13953,7 +13963,7 @@
             </p:txBody>
           </p:sp>
         </mc:Choice>
-        <mc:Fallback>
+        <mc:Fallback xmlns="">
           <p:sp>
             <p:nvSpPr>
               <p:cNvPr id="16" name="TextBox 15">
@@ -14049,8 +14059,8 @@
           </a:p>
         </p:txBody>
       </p:sp>
-      <mc:AlternateContent xmlns:mc="http://schemas.openxmlformats.org/markup-compatibility/2006">
-        <mc:Choice xmlns:a14="http://schemas.microsoft.com/office/drawing/2010/main" Requires="a14">
+      <mc:AlternateContent xmlns:mc="http://schemas.openxmlformats.org/markup-compatibility/2006" xmlns:a14="http://schemas.microsoft.com/office/drawing/2010/main">
+        <mc:Choice Requires="a14">
           <p:sp>
             <p:nvSpPr>
               <p:cNvPr id="6" name="TextBox 5">
@@ -14151,7 +14161,7 @@
             </p:txBody>
           </p:sp>
         </mc:Choice>
-        <mc:Fallback>
+        <mc:Fallback xmlns="">
           <p:sp>
             <p:nvSpPr>
               <p:cNvPr id="6" name="TextBox 5">
@@ -14250,8 +14260,8 @@
           </a:p>
         </p:txBody>
       </p:sp>
-      <mc:AlternateContent xmlns:mc="http://schemas.openxmlformats.org/markup-compatibility/2006">
-        <mc:Choice xmlns:a14="http://schemas.microsoft.com/office/drawing/2010/main" Requires="a14">
+      <mc:AlternateContent xmlns:mc="http://schemas.openxmlformats.org/markup-compatibility/2006" xmlns:a14="http://schemas.microsoft.com/office/drawing/2010/main">
+        <mc:Choice Requires="a14">
           <p:sp>
             <p:nvSpPr>
               <p:cNvPr id="8" name="TextBox 7">
@@ -14352,7 +14362,7 @@
             </p:txBody>
           </p:sp>
         </mc:Choice>
-        <mc:Fallback>
+        <mc:Fallback xmlns="">
           <p:sp>
             <p:nvSpPr>
               <p:cNvPr id="8" name="TextBox 7">
@@ -14451,8 +14461,8 @@
           </a:p>
         </p:txBody>
       </p:sp>
-      <mc:AlternateContent xmlns:mc="http://schemas.openxmlformats.org/markup-compatibility/2006">
-        <mc:Choice xmlns:a14="http://schemas.microsoft.com/office/drawing/2010/main" Requires="a14">
+      <mc:AlternateContent xmlns:mc="http://schemas.openxmlformats.org/markup-compatibility/2006" xmlns:a14="http://schemas.microsoft.com/office/drawing/2010/main">
+        <mc:Choice Requires="a14">
           <p:sp>
             <p:nvSpPr>
               <p:cNvPr id="12" name="TextBox 11">
@@ -14553,7 +14563,7 @@
             </p:txBody>
           </p:sp>
         </mc:Choice>
-        <mc:Fallback>
+        <mc:Fallback xmlns="">
           <p:sp>
             <p:nvSpPr>
               <p:cNvPr id="12" name="TextBox 11">
@@ -14628,8 +14638,8 @@
           <a:chExt cx="0" cy="0"/>
         </a:xfrm>
       </p:grpSpPr>
-      <mc:AlternateContent xmlns:mc="http://schemas.openxmlformats.org/markup-compatibility/2006">
-        <mc:Choice xmlns:a14="http://schemas.microsoft.com/office/drawing/2010/main" Requires="a14">
+      <mc:AlternateContent xmlns:mc="http://schemas.openxmlformats.org/markup-compatibility/2006" xmlns:a14="http://schemas.microsoft.com/office/drawing/2010/main">
+        <mc:Choice Requires="a14">
           <p:sp>
             <p:nvSpPr>
               <p:cNvPr id="2" name="Title 1">
@@ -14709,7 +14719,7 @@
             </p:txBody>
           </p:sp>
         </mc:Choice>
-        <mc:Fallback>
+        <mc:Fallback xmlns="">
           <p:sp>
             <p:nvSpPr>
               <p:cNvPr id="2" name="Title 1">
@@ -14749,8 +14759,8 @@
           </p:sp>
         </mc:Fallback>
       </mc:AlternateContent>
-      <mc:AlternateContent xmlns:mc="http://schemas.openxmlformats.org/markup-compatibility/2006">
-        <mc:Choice xmlns:a14="http://schemas.microsoft.com/office/drawing/2010/main" Requires="a14">
+      <mc:AlternateContent xmlns:mc="http://schemas.openxmlformats.org/markup-compatibility/2006" xmlns:a14="http://schemas.microsoft.com/office/drawing/2010/main">
+        <mc:Choice Requires="a14">
           <p:sp>
             <p:nvSpPr>
               <p:cNvPr id="5" name="Content Placeholder 3">
@@ -15163,7 +15173,7 @@
             </p:txBody>
           </p:sp>
         </mc:Choice>
-        <mc:Fallback>
+        <mc:Fallback xmlns="">
           <p:sp>
             <p:nvSpPr>
               <p:cNvPr id="5" name="Content Placeholder 3">
@@ -15333,8 +15343,8 @@
           </a:fontRef>
         </p:style>
       </p:cxnSp>
-      <mc:AlternateContent xmlns:mc="http://schemas.openxmlformats.org/markup-compatibility/2006">
-        <mc:Choice xmlns:a14="http://schemas.microsoft.com/office/drawing/2010/main" Requires="a14">
+      <mc:AlternateContent xmlns:mc="http://schemas.openxmlformats.org/markup-compatibility/2006" xmlns:a14="http://schemas.microsoft.com/office/drawing/2010/main">
+        <mc:Choice Requires="a14">
           <p:sp>
             <p:nvSpPr>
               <p:cNvPr id="13" name="TextBox 12">
@@ -15387,7 +15397,7 @@
             </p:txBody>
           </p:sp>
         </mc:Choice>
-        <mc:Fallback>
+        <mc:Fallback xmlns="">
           <p:sp>
             <p:nvSpPr>
               <p:cNvPr id="13" name="TextBox 12">
@@ -15432,8 +15442,8 @@
           </p:sp>
         </mc:Fallback>
       </mc:AlternateContent>
-      <mc:AlternateContent xmlns:mc="http://schemas.openxmlformats.org/markup-compatibility/2006">
-        <mc:Choice xmlns:a14="http://schemas.microsoft.com/office/drawing/2010/main" Requires="a14">
+      <mc:AlternateContent xmlns:mc="http://schemas.openxmlformats.org/markup-compatibility/2006" xmlns:a14="http://schemas.microsoft.com/office/drawing/2010/main">
+        <mc:Choice Requires="a14">
           <p:sp>
             <p:nvSpPr>
               <p:cNvPr id="14" name="TextBox 13">
@@ -15486,7 +15496,7 @@
             </p:txBody>
           </p:sp>
         </mc:Choice>
-        <mc:Fallback>
+        <mc:Fallback xmlns="">
           <p:sp>
             <p:nvSpPr>
               <p:cNvPr id="14" name="TextBox 13">
@@ -15531,8 +15541,8 @@
           </p:sp>
         </mc:Fallback>
       </mc:AlternateContent>
-      <mc:AlternateContent xmlns:mc="http://schemas.openxmlformats.org/markup-compatibility/2006">
-        <mc:Choice xmlns:a14="http://schemas.microsoft.com/office/drawing/2010/main" Requires="a14">
+      <mc:AlternateContent xmlns:mc="http://schemas.openxmlformats.org/markup-compatibility/2006" xmlns:a14="http://schemas.microsoft.com/office/drawing/2010/main">
+        <mc:Choice Requires="a14">
           <p:sp>
             <p:nvSpPr>
               <p:cNvPr id="16" name="TextBox 15">
@@ -15585,7 +15595,7 @@
             </p:txBody>
           </p:sp>
         </mc:Choice>
-        <mc:Fallback>
+        <mc:Fallback xmlns="">
           <p:sp>
             <p:nvSpPr>
               <p:cNvPr id="16" name="TextBox 15">
@@ -15681,8 +15691,8 @@
           </a:p>
         </p:txBody>
       </p:sp>
-      <mc:AlternateContent xmlns:mc="http://schemas.openxmlformats.org/markup-compatibility/2006">
-        <mc:Choice xmlns:a14="http://schemas.microsoft.com/office/drawing/2010/main" Requires="a14">
+      <mc:AlternateContent xmlns:mc="http://schemas.openxmlformats.org/markup-compatibility/2006" xmlns:a14="http://schemas.microsoft.com/office/drawing/2010/main">
+        <mc:Choice Requires="a14">
           <p:sp>
             <p:nvSpPr>
               <p:cNvPr id="6" name="TextBox 5">
@@ -15783,7 +15793,7 @@
             </p:txBody>
           </p:sp>
         </mc:Choice>
-        <mc:Fallback>
+        <mc:Fallback xmlns="">
           <p:sp>
             <p:nvSpPr>
               <p:cNvPr id="6" name="TextBox 5">
@@ -15882,8 +15892,8 @@
           </a:p>
         </p:txBody>
       </p:sp>
-      <mc:AlternateContent xmlns:mc="http://schemas.openxmlformats.org/markup-compatibility/2006">
-        <mc:Choice xmlns:a14="http://schemas.microsoft.com/office/drawing/2010/main" Requires="a14">
+      <mc:AlternateContent xmlns:mc="http://schemas.openxmlformats.org/markup-compatibility/2006" xmlns:a14="http://schemas.microsoft.com/office/drawing/2010/main">
+        <mc:Choice Requires="a14">
           <p:sp>
             <p:nvSpPr>
               <p:cNvPr id="8" name="TextBox 7">
@@ -15984,7 +15994,7 @@
             </p:txBody>
           </p:sp>
         </mc:Choice>
-        <mc:Fallback>
+        <mc:Fallback xmlns="">
           <p:sp>
             <p:nvSpPr>
               <p:cNvPr id="8" name="TextBox 7">
@@ -16083,8 +16093,8 @@
           </a:p>
         </p:txBody>
       </p:sp>
-      <mc:AlternateContent xmlns:mc="http://schemas.openxmlformats.org/markup-compatibility/2006">
-        <mc:Choice xmlns:a14="http://schemas.microsoft.com/office/drawing/2010/main" Requires="a14">
+      <mc:AlternateContent xmlns:mc="http://schemas.openxmlformats.org/markup-compatibility/2006" xmlns:a14="http://schemas.microsoft.com/office/drawing/2010/main">
+        <mc:Choice Requires="a14">
           <p:sp>
             <p:nvSpPr>
               <p:cNvPr id="12" name="TextBox 11">
@@ -16185,7 +16195,7 @@
             </p:txBody>
           </p:sp>
         </mc:Choice>
-        <mc:Fallback>
+        <mc:Fallback xmlns="">
           <p:sp>
             <p:nvSpPr>
               <p:cNvPr id="12" name="TextBox 11">
@@ -16284,8 +16294,8 @@
           </a:p>
         </p:txBody>
       </p:sp>
-      <mc:AlternateContent xmlns:mc="http://schemas.openxmlformats.org/markup-compatibility/2006">
-        <mc:Choice xmlns:a14="http://schemas.microsoft.com/office/drawing/2010/main" Requires="a14">
+      <mc:AlternateContent xmlns:mc="http://schemas.openxmlformats.org/markup-compatibility/2006" xmlns:a14="http://schemas.microsoft.com/office/drawing/2010/main">
+        <mc:Choice Requires="a14">
           <p:sp>
             <p:nvSpPr>
               <p:cNvPr id="17" name="TextBox 16">
@@ -16386,7 +16396,7 @@
             </p:txBody>
           </p:sp>
         </mc:Choice>
-        <mc:Fallback>
+        <mc:Fallback xmlns="">
           <p:sp>
             <p:nvSpPr>
               <p:cNvPr id="17" name="TextBox 16">
@@ -16461,8 +16471,8 @@
           <a:chExt cx="0" cy="0"/>
         </a:xfrm>
       </p:grpSpPr>
-      <mc:AlternateContent xmlns:mc="http://schemas.openxmlformats.org/markup-compatibility/2006">
-        <mc:Choice xmlns:a14="http://schemas.microsoft.com/office/drawing/2010/main" Requires="a14">
+      <mc:AlternateContent xmlns:mc="http://schemas.openxmlformats.org/markup-compatibility/2006" xmlns:a14="http://schemas.microsoft.com/office/drawing/2010/main">
+        <mc:Choice Requires="a14">
           <p:sp>
             <p:nvSpPr>
               <p:cNvPr id="2" name="Title 1">
@@ -16542,7 +16552,7 @@
             </p:txBody>
           </p:sp>
         </mc:Choice>
-        <mc:Fallback>
+        <mc:Fallback xmlns="">
           <p:sp>
             <p:nvSpPr>
               <p:cNvPr id="2" name="Title 1">
@@ -16582,8 +16592,8 @@
           </p:sp>
         </mc:Fallback>
       </mc:AlternateContent>
-      <mc:AlternateContent xmlns:mc="http://schemas.openxmlformats.org/markup-compatibility/2006">
-        <mc:Choice xmlns:a14="http://schemas.microsoft.com/office/drawing/2010/main" Requires="a14">
+      <mc:AlternateContent xmlns:mc="http://schemas.openxmlformats.org/markup-compatibility/2006" xmlns:a14="http://schemas.microsoft.com/office/drawing/2010/main">
+        <mc:Choice Requires="a14">
           <p:sp>
             <p:nvSpPr>
               <p:cNvPr id="5" name="Content Placeholder 3">
@@ -16996,7 +17006,7 @@
             </p:txBody>
           </p:sp>
         </mc:Choice>
-        <mc:Fallback>
+        <mc:Fallback xmlns="">
           <p:sp>
             <p:nvSpPr>
               <p:cNvPr id="5" name="Content Placeholder 3">
@@ -17166,8 +17176,8 @@
           </a:fontRef>
         </p:style>
       </p:cxnSp>
-      <mc:AlternateContent xmlns:mc="http://schemas.openxmlformats.org/markup-compatibility/2006">
-        <mc:Choice xmlns:a14="http://schemas.microsoft.com/office/drawing/2010/main" Requires="a14">
+      <mc:AlternateContent xmlns:mc="http://schemas.openxmlformats.org/markup-compatibility/2006" xmlns:a14="http://schemas.microsoft.com/office/drawing/2010/main">
+        <mc:Choice Requires="a14">
           <p:sp>
             <p:nvSpPr>
               <p:cNvPr id="13" name="TextBox 12">
@@ -17220,7 +17230,7 @@
             </p:txBody>
           </p:sp>
         </mc:Choice>
-        <mc:Fallback>
+        <mc:Fallback xmlns="">
           <p:sp>
             <p:nvSpPr>
               <p:cNvPr id="13" name="TextBox 12">
@@ -17265,8 +17275,8 @@
           </p:sp>
         </mc:Fallback>
       </mc:AlternateContent>
-      <mc:AlternateContent xmlns:mc="http://schemas.openxmlformats.org/markup-compatibility/2006">
-        <mc:Choice xmlns:a14="http://schemas.microsoft.com/office/drawing/2010/main" Requires="a14">
+      <mc:AlternateContent xmlns:mc="http://schemas.openxmlformats.org/markup-compatibility/2006" xmlns:a14="http://schemas.microsoft.com/office/drawing/2010/main">
+        <mc:Choice Requires="a14">
           <p:sp>
             <p:nvSpPr>
               <p:cNvPr id="14" name="TextBox 13">
@@ -17319,7 +17329,7 @@
             </p:txBody>
           </p:sp>
         </mc:Choice>
-        <mc:Fallback>
+        <mc:Fallback xmlns="">
           <p:sp>
             <p:nvSpPr>
               <p:cNvPr id="14" name="TextBox 13">
@@ -17364,8 +17374,8 @@
           </p:sp>
         </mc:Fallback>
       </mc:AlternateContent>
-      <mc:AlternateContent xmlns:mc="http://schemas.openxmlformats.org/markup-compatibility/2006">
-        <mc:Choice xmlns:a14="http://schemas.microsoft.com/office/drawing/2010/main" Requires="a14">
+      <mc:AlternateContent xmlns:mc="http://schemas.openxmlformats.org/markup-compatibility/2006" xmlns:a14="http://schemas.microsoft.com/office/drawing/2010/main">
+        <mc:Choice Requires="a14">
           <p:sp>
             <p:nvSpPr>
               <p:cNvPr id="16" name="TextBox 15">
@@ -17418,7 +17428,7 @@
             </p:txBody>
           </p:sp>
         </mc:Choice>
-        <mc:Fallback>
+        <mc:Fallback xmlns="">
           <p:sp>
             <p:nvSpPr>
               <p:cNvPr id="16" name="TextBox 15">
@@ -17514,8 +17524,8 @@
           </a:p>
         </p:txBody>
       </p:sp>
-      <mc:AlternateContent xmlns:mc="http://schemas.openxmlformats.org/markup-compatibility/2006">
-        <mc:Choice xmlns:a14="http://schemas.microsoft.com/office/drawing/2010/main" Requires="a14">
+      <mc:AlternateContent xmlns:mc="http://schemas.openxmlformats.org/markup-compatibility/2006" xmlns:a14="http://schemas.microsoft.com/office/drawing/2010/main">
+        <mc:Choice Requires="a14">
           <p:sp>
             <p:nvSpPr>
               <p:cNvPr id="6" name="TextBox 5">
@@ -17616,7 +17626,7 @@
             </p:txBody>
           </p:sp>
         </mc:Choice>
-        <mc:Fallback>
+        <mc:Fallback xmlns="">
           <p:sp>
             <p:nvSpPr>
               <p:cNvPr id="6" name="TextBox 5">
@@ -17715,8 +17725,8 @@
           </a:p>
         </p:txBody>
       </p:sp>
-      <mc:AlternateContent xmlns:mc="http://schemas.openxmlformats.org/markup-compatibility/2006">
-        <mc:Choice xmlns:a14="http://schemas.microsoft.com/office/drawing/2010/main" Requires="a14">
+      <mc:AlternateContent xmlns:mc="http://schemas.openxmlformats.org/markup-compatibility/2006" xmlns:a14="http://schemas.microsoft.com/office/drawing/2010/main">
+        <mc:Choice Requires="a14">
           <p:sp>
             <p:nvSpPr>
               <p:cNvPr id="8" name="TextBox 7">
@@ -17817,7 +17827,7 @@
             </p:txBody>
           </p:sp>
         </mc:Choice>
-        <mc:Fallback>
+        <mc:Fallback xmlns="">
           <p:sp>
             <p:nvSpPr>
               <p:cNvPr id="8" name="TextBox 7">
@@ -17916,8 +17926,8 @@
           </a:p>
         </p:txBody>
       </p:sp>
-      <mc:AlternateContent xmlns:mc="http://schemas.openxmlformats.org/markup-compatibility/2006">
-        <mc:Choice xmlns:a14="http://schemas.microsoft.com/office/drawing/2010/main" Requires="a14">
+      <mc:AlternateContent xmlns:mc="http://schemas.openxmlformats.org/markup-compatibility/2006" xmlns:a14="http://schemas.microsoft.com/office/drawing/2010/main">
+        <mc:Choice Requires="a14">
           <p:sp>
             <p:nvSpPr>
               <p:cNvPr id="12" name="TextBox 11">
@@ -18018,7 +18028,7 @@
             </p:txBody>
           </p:sp>
         </mc:Choice>
-        <mc:Fallback>
+        <mc:Fallback xmlns="">
           <p:sp>
             <p:nvSpPr>
               <p:cNvPr id="12" name="TextBox 11">
@@ -18117,8 +18127,8 @@
           </a:p>
         </p:txBody>
       </p:sp>
-      <mc:AlternateContent xmlns:mc="http://schemas.openxmlformats.org/markup-compatibility/2006">
-        <mc:Choice xmlns:a14="http://schemas.microsoft.com/office/drawing/2010/main" Requires="a14">
+      <mc:AlternateContent xmlns:mc="http://schemas.openxmlformats.org/markup-compatibility/2006" xmlns:a14="http://schemas.microsoft.com/office/drawing/2010/main">
+        <mc:Choice Requires="a14">
           <p:sp>
             <p:nvSpPr>
               <p:cNvPr id="17" name="TextBox 16">
@@ -18219,7 +18229,7 @@
             </p:txBody>
           </p:sp>
         </mc:Choice>
-        <mc:Fallback>
+        <mc:Fallback xmlns="">
           <p:sp>
             <p:nvSpPr>
               <p:cNvPr id="17" name="TextBox 16">
@@ -18294,8 +18304,8 @@
           <a:chExt cx="0" cy="0"/>
         </a:xfrm>
       </p:grpSpPr>
-      <mc:AlternateContent xmlns:mc="http://schemas.openxmlformats.org/markup-compatibility/2006">
-        <mc:Choice xmlns:a14="http://schemas.microsoft.com/office/drawing/2010/main" Requires="a14">
+      <mc:AlternateContent xmlns:mc="http://schemas.openxmlformats.org/markup-compatibility/2006" xmlns:a14="http://schemas.microsoft.com/office/drawing/2010/main">
+        <mc:Choice Requires="a14">
           <p:sp>
             <p:nvSpPr>
               <p:cNvPr id="2" name="Title 1">
@@ -18375,7 +18385,7 @@
             </p:txBody>
           </p:sp>
         </mc:Choice>
-        <mc:Fallback>
+        <mc:Fallback xmlns="">
           <p:sp>
             <p:nvSpPr>
               <p:cNvPr id="2" name="Title 1">
@@ -18415,8 +18425,8 @@
           </p:sp>
         </mc:Fallback>
       </mc:AlternateContent>
-      <mc:AlternateContent xmlns:mc="http://schemas.openxmlformats.org/markup-compatibility/2006">
-        <mc:Choice xmlns:a14="http://schemas.microsoft.com/office/drawing/2010/main" Requires="a14">
+      <mc:AlternateContent xmlns:mc="http://schemas.openxmlformats.org/markup-compatibility/2006" xmlns:a14="http://schemas.microsoft.com/office/drawing/2010/main">
+        <mc:Choice Requires="a14">
           <p:sp>
             <p:nvSpPr>
               <p:cNvPr id="5" name="Content Placeholder 3">
@@ -18829,7 +18839,7 @@
             </p:txBody>
           </p:sp>
         </mc:Choice>
-        <mc:Fallback>
+        <mc:Fallback xmlns="">
           <p:sp>
             <p:nvSpPr>
               <p:cNvPr id="5" name="Content Placeholder 3">
@@ -18999,8 +19009,8 @@
           </a:fontRef>
         </p:style>
       </p:cxnSp>
-      <mc:AlternateContent xmlns:mc="http://schemas.openxmlformats.org/markup-compatibility/2006">
-        <mc:Choice xmlns:a14="http://schemas.microsoft.com/office/drawing/2010/main" Requires="a14">
+      <mc:AlternateContent xmlns:mc="http://schemas.openxmlformats.org/markup-compatibility/2006" xmlns:a14="http://schemas.microsoft.com/office/drawing/2010/main">
+        <mc:Choice Requires="a14">
           <p:sp>
             <p:nvSpPr>
               <p:cNvPr id="13" name="TextBox 12">
@@ -19053,7 +19063,7 @@
             </p:txBody>
           </p:sp>
         </mc:Choice>
-        <mc:Fallback>
+        <mc:Fallback xmlns="">
           <p:sp>
             <p:nvSpPr>
               <p:cNvPr id="13" name="TextBox 12">
@@ -19098,8 +19108,8 @@
           </p:sp>
         </mc:Fallback>
       </mc:AlternateContent>
-      <mc:AlternateContent xmlns:mc="http://schemas.openxmlformats.org/markup-compatibility/2006">
-        <mc:Choice xmlns:a14="http://schemas.microsoft.com/office/drawing/2010/main" Requires="a14">
+      <mc:AlternateContent xmlns:mc="http://schemas.openxmlformats.org/markup-compatibility/2006" xmlns:a14="http://schemas.microsoft.com/office/drawing/2010/main">
+        <mc:Choice Requires="a14">
           <p:sp>
             <p:nvSpPr>
               <p:cNvPr id="14" name="TextBox 13">
@@ -19152,7 +19162,7 @@
             </p:txBody>
           </p:sp>
         </mc:Choice>
-        <mc:Fallback>
+        <mc:Fallback xmlns="">
           <p:sp>
             <p:nvSpPr>
               <p:cNvPr id="14" name="TextBox 13">
@@ -19197,8 +19207,8 @@
           </p:sp>
         </mc:Fallback>
       </mc:AlternateContent>
-      <mc:AlternateContent xmlns:mc="http://schemas.openxmlformats.org/markup-compatibility/2006">
-        <mc:Choice xmlns:a14="http://schemas.microsoft.com/office/drawing/2010/main" Requires="a14">
+      <mc:AlternateContent xmlns:mc="http://schemas.openxmlformats.org/markup-compatibility/2006" xmlns:a14="http://schemas.microsoft.com/office/drawing/2010/main">
+        <mc:Choice Requires="a14">
           <p:sp>
             <p:nvSpPr>
               <p:cNvPr id="16" name="TextBox 15">
@@ -19251,7 +19261,7 @@
             </p:txBody>
           </p:sp>
         </mc:Choice>
-        <mc:Fallback>
+        <mc:Fallback xmlns="">
           <p:sp>
             <p:nvSpPr>
               <p:cNvPr id="16" name="TextBox 15">
@@ -19347,8 +19357,8 @@
           </a:p>
         </p:txBody>
       </p:sp>
-      <mc:AlternateContent xmlns:mc="http://schemas.openxmlformats.org/markup-compatibility/2006">
-        <mc:Choice xmlns:a14="http://schemas.microsoft.com/office/drawing/2010/main" Requires="a14">
+      <mc:AlternateContent xmlns:mc="http://schemas.openxmlformats.org/markup-compatibility/2006" xmlns:a14="http://schemas.microsoft.com/office/drawing/2010/main">
+        <mc:Choice Requires="a14">
           <p:sp>
             <p:nvSpPr>
               <p:cNvPr id="6" name="TextBox 5">
@@ -19449,7 +19459,7 @@
             </p:txBody>
           </p:sp>
         </mc:Choice>
-        <mc:Fallback>
+        <mc:Fallback xmlns="">
           <p:sp>
             <p:nvSpPr>
               <p:cNvPr id="6" name="TextBox 5">
@@ -19548,8 +19558,8 @@
           </a:p>
         </p:txBody>
       </p:sp>
-      <mc:AlternateContent xmlns:mc="http://schemas.openxmlformats.org/markup-compatibility/2006">
-        <mc:Choice xmlns:a14="http://schemas.microsoft.com/office/drawing/2010/main" Requires="a14">
+      <mc:AlternateContent xmlns:mc="http://schemas.openxmlformats.org/markup-compatibility/2006" xmlns:a14="http://schemas.microsoft.com/office/drawing/2010/main">
+        <mc:Choice Requires="a14">
           <p:sp>
             <p:nvSpPr>
               <p:cNvPr id="8" name="TextBox 7">
@@ -19650,7 +19660,7 @@
             </p:txBody>
           </p:sp>
         </mc:Choice>
-        <mc:Fallback>
+        <mc:Fallback xmlns="">
           <p:sp>
             <p:nvSpPr>
               <p:cNvPr id="8" name="TextBox 7">
@@ -19749,8 +19759,8 @@
           </a:p>
         </p:txBody>
       </p:sp>
-      <mc:AlternateContent xmlns:mc="http://schemas.openxmlformats.org/markup-compatibility/2006">
-        <mc:Choice xmlns:a14="http://schemas.microsoft.com/office/drawing/2010/main" Requires="a14">
+      <mc:AlternateContent xmlns:mc="http://schemas.openxmlformats.org/markup-compatibility/2006" xmlns:a14="http://schemas.microsoft.com/office/drawing/2010/main">
+        <mc:Choice Requires="a14">
           <p:sp>
             <p:nvSpPr>
               <p:cNvPr id="12" name="TextBox 11">
@@ -19851,7 +19861,7 @@
             </p:txBody>
           </p:sp>
         </mc:Choice>
-        <mc:Fallback>
+        <mc:Fallback xmlns="">
           <p:sp>
             <p:nvSpPr>
               <p:cNvPr id="12" name="TextBox 11">
@@ -19950,8 +19960,8 @@
           </a:p>
         </p:txBody>
       </p:sp>
-      <mc:AlternateContent xmlns:mc="http://schemas.openxmlformats.org/markup-compatibility/2006">
-        <mc:Choice xmlns:a14="http://schemas.microsoft.com/office/drawing/2010/main" Requires="a14">
+      <mc:AlternateContent xmlns:mc="http://schemas.openxmlformats.org/markup-compatibility/2006" xmlns:a14="http://schemas.microsoft.com/office/drawing/2010/main">
+        <mc:Choice Requires="a14">
           <p:sp>
             <p:nvSpPr>
               <p:cNvPr id="17" name="TextBox 16">
@@ -20052,7 +20062,7 @@
             </p:txBody>
           </p:sp>
         </mc:Choice>
-        <mc:Fallback>
+        <mc:Fallback xmlns="">
           <p:sp>
             <p:nvSpPr>
               <p:cNvPr id="17" name="TextBox 16">
@@ -20151,8 +20161,8 @@
           </a:p>
         </p:txBody>
       </p:sp>
-      <mc:AlternateContent xmlns:mc="http://schemas.openxmlformats.org/markup-compatibility/2006">
-        <mc:Choice xmlns:a14="http://schemas.microsoft.com/office/drawing/2010/main" Requires="a14">
+      <mc:AlternateContent xmlns:mc="http://schemas.openxmlformats.org/markup-compatibility/2006" xmlns:a14="http://schemas.microsoft.com/office/drawing/2010/main">
+        <mc:Choice Requires="a14">
           <p:sp>
             <p:nvSpPr>
               <p:cNvPr id="19" name="TextBox 18">
@@ -20253,7 +20263,7 @@
             </p:txBody>
           </p:sp>
         </mc:Choice>
-        <mc:Fallback>
+        <mc:Fallback xmlns="">
           <p:sp>
             <p:nvSpPr>
               <p:cNvPr id="19" name="TextBox 18">
@@ -20328,8 +20338,8 @@
           <a:chExt cx="0" cy="0"/>
         </a:xfrm>
       </p:grpSpPr>
-      <mc:AlternateContent xmlns:mc="http://schemas.openxmlformats.org/markup-compatibility/2006">
-        <mc:Choice xmlns:a14="http://schemas.microsoft.com/office/drawing/2010/main" Requires="a14">
+      <mc:AlternateContent xmlns:mc="http://schemas.openxmlformats.org/markup-compatibility/2006" xmlns:a14="http://schemas.microsoft.com/office/drawing/2010/main">
+        <mc:Choice Requires="a14">
           <p:sp>
             <p:nvSpPr>
               <p:cNvPr id="2" name="Title 1">
@@ -20409,7 +20419,7 @@
             </p:txBody>
           </p:sp>
         </mc:Choice>
-        <mc:Fallback>
+        <mc:Fallback xmlns="">
           <p:sp>
             <p:nvSpPr>
               <p:cNvPr id="2" name="Title 1">
@@ -20449,8 +20459,8 @@
           </p:sp>
         </mc:Fallback>
       </mc:AlternateContent>
-      <mc:AlternateContent xmlns:mc="http://schemas.openxmlformats.org/markup-compatibility/2006">
-        <mc:Choice xmlns:a14="http://schemas.microsoft.com/office/drawing/2010/main" Requires="a14">
+      <mc:AlternateContent xmlns:mc="http://schemas.openxmlformats.org/markup-compatibility/2006" xmlns:a14="http://schemas.microsoft.com/office/drawing/2010/main">
+        <mc:Choice Requires="a14">
           <p:sp>
             <p:nvSpPr>
               <p:cNvPr id="5" name="Content Placeholder 3">
@@ -20643,7 +20653,7 @@
             </p:txBody>
           </p:sp>
         </mc:Choice>
-        <mc:Fallback>
+        <mc:Fallback xmlns="">
           <p:sp>
             <p:nvSpPr>
               <p:cNvPr id="5" name="Content Placeholder 3">
@@ -20717,8 +20727,8 @@
           <a:chExt cx="0" cy="0"/>
         </a:xfrm>
       </p:grpSpPr>
-      <mc:AlternateContent xmlns:mc="http://schemas.openxmlformats.org/markup-compatibility/2006">
-        <mc:Choice xmlns:a14="http://schemas.microsoft.com/office/drawing/2010/main" Requires="a14">
+      <mc:AlternateContent xmlns:mc="http://schemas.openxmlformats.org/markup-compatibility/2006" xmlns:a14="http://schemas.microsoft.com/office/drawing/2010/main">
+        <mc:Choice Requires="a14">
           <p:sp>
             <p:nvSpPr>
               <p:cNvPr id="2" name="Title 1">
@@ -20798,7 +20808,7 @@
             </p:txBody>
           </p:sp>
         </mc:Choice>
-        <mc:Fallback>
+        <mc:Fallback xmlns="">
           <p:sp>
             <p:nvSpPr>
               <p:cNvPr id="2" name="Title 1">
@@ -20838,8 +20848,8 @@
           </p:sp>
         </mc:Fallback>
       </mc:AlternateContent>
-      <mc:AlternateContent xmlns:mc="http://schemas.openxmlformats.org/markup-compatibility/2006">
-        <mc:Choice xmlns:a14="http://schemas.microsoft.com/office/drawing/2010/main" Requires="a14">
+      <mc:AlternateContent xmlns:mc="http://schemas.openxmlformats.org/markup-compatibility/2006" xmlns:a14="http://schemas.microsoft.com/office/drawing/2010/main">
+        <mc:Choice Requires="a14">
           <p:sp>
             <p:nvSpPr>
               <p:cNvPr id="5" name="Content Placeholder 3">
@@ -21642,7 +21652,7 @@
             </p:txBody>
           </p:sp>
         </mc:Choice>
-        <mc:Fallback>
+        <mc:Fallback xmlns="">
           <p:sp>
             <p:nvSpPr>
               <p:cNvPr id="5" name="Content Placeholder 3">
@@ -21716,8 +21726,8 @@
           <a:chExt cx="0" cy="0"/>
         </a:xfrm>
       </p:grpSpPr>
-      <mc:AlternateContent xmlns:mc="http://schemas.openxmlformats.org/markup-compatibility/2006">
-        <mc:Choice xmlns:a14="http://schemas.microsoft.com/office/drawing/2010/main" Requires="a14">
+      <mc:AlternateContent xmlns:mc="http://schemas.openxmlformats.org/markup-compatibility/2006" xmlns:a14="http://schemas.microsoft.com/office/drawing/2010/main">
+        <mc:Choice Requires="a14">
           <p:sp>
             <p:nvSpPr>
               <p:cNvPr id="2" name="Title 1">
@@ -21797,7 +21807,7 @@
             </p:txBody>
           </p:sp>
         </mc:Choice>
-        <mc:Fallback>
+        <mc:Fallback xmlns="">
           <p:sp>
             <p:nvSpPr>
               <p:cNvPr id="2" name="Title 1">
@@ -21837,8 +21847,8 @@
           </p:sp>
         </mc:Fallback>
       </mc:AlternateContent>
-      <mc:AlternateContent xmlns:mc="http://schemas.openxmlformats.org/markup-compatibility/2006">
-        <mc:Choice xmlns:a14="http://schemas.microsoft.com/office/drawing/2010/main" Requires="a14">
+      <mc:AlternateContent xmlns:mc="http://schemas.openxmlformats.org/markup-compatibility/2006" xmlns:a14="http://schemas.microsoft.com/office/drawing/2010/main">
+        <mc:Choice Requires="a14">
           <p:sp>
             <p:nvSpPr>
               <p:cNvPr id="5" name="Content Placeholder 3">
@@ -21965,7 +21975,7 @@
             </p:txBody>
           </p:sp>
         </mc:Choice>
-        <mc:Fallback>
+        <mc:Fallback xmlns="">
           <p:sp>
             <p:nvSpPr>
               <p:cNvPr id="5" name="Content Placeholder 3">
@@ -22039,8 +22049,8 @@
           <a:chExt cx="0" cy="0"/>
         </a:xfrm>
       </p:grpSpPr>
-      <mc:AlternateContent xmlns:mc="http://schemas.openxmlformats.org/markup-compatibility/2006">
-        <mc:Choice xmlns:a14="http://schemas.microsoft.com/office/drawing/2010/main" Requires="a14">
+      <mc:AlternateContent xmlns:mc="http://schemas.openxmlformats.org/markup-compatibility/2006" xmlns:a14="http://schemas.microsoft.com/office/drawing/2010/main">
+        <mc:Choice Requires="a14">
           <p:sp>
             <p:nvSpPr>
               <p:cNvPr id="2" name="Title 1">
@@ -22120,7 +22130,7 @@
             </p:txBody>
           </p:sp>
         </mc:Choice>
-        <mc:Fallback>
+        <mc:Fallback xmlns="">
           <p:sp>
             <p:nvSpPr>
               <p:cNvPr id="2" name="Title 1">
@@ -23074,8 +23084,8 @@
           <a:chExt cx="0" cy="0"/>
         </a:xfrm>
       </p:grpSpPr>
-      <mc:AlternateContent xmlns:mc="http://schemas.openxmlformats.org/markup-compatibility/2006">
-        <mc:Choice xmlns:a14="http://schemas.microsoft.com/office/drawing/2010/main" Requires="a14">
+      <mc:AlternateContent xmlns:mc="http://schemas.openxmlformats.org/markup-compatibility/2006" xmlns:a14="http://schemas.microsoft.com/office/drawing/2010/main">
+        <mc:Choice Requires="a14">
           <p:sp>
             <p:nvSpPr>
               <p:cNvPr id="2" name="Title 1">
@@ -23155,7 +23165,7 @@
             </p:txBody>
           </p:sp>
         </mc:Choice>
-        <mc:Fallback>
+        <mc:Fallback xmlns="">
           <p:sp>
             <p:nvSpPr>
               <p:cNvPr id="2" name="Title 1">
@@ -24100,8 +24110,8 @@
           <a:chExt cx="0" cy="0"/>
         </a:xfrm>
       </p:grpSpPr>
-      <mc:AlternateContent xmlns:mc="http://schemas.openxmlformats.org/markup-compatibility/2006">
-        <mc:Choice xmlns:a14="http://schemas.microsoft.com/office/drawing/2010/main" Requires="a14">
+      <mc:AlternateContent xmlns:mc="http://schemas.openxmlformats.org/markup-compatibility/2006" xmlns:a14="http://schemas.microsoft.com/office/drawing/2010/main">
+        <mc:Choice Requires="a14">
           <p:sp>
             <p:nvSpPr>
               <p:cNvPr id="2" name="Title 1">
@@ -24181,7 +24191,7 @@
             </p:txBody>
           </p:sp>
         </mc:Choice>
-        <mc:Fallback>
+        <mc:Fallback xmlns="">
           <p:sp>
             <p:nvSpPr>
               <p:cNvPr id="2" name="Title 1">
